--- a/how2heap/unsorted_bin_attack/unsorted_bin_attack.pptx
+++ b/how2heap/unsorted_bin_attack/unsorted_bin_attack.pptx
@@ -9,7 +9,7 @@
     <p:sldId id="319" r:id="rId3"/>
     <p:sldId id="290" r:id="rId4"/>
     <p:sldId id="291" r:id="rId5"/>
-    <p:sldId id="292" r:id="rId6"/>
+    <p:sldId id="320" r:id="rId6"/>
   </p:sldIdLst>
   <p:sldSz cx="12192000" cy="6858000"/>
   <p:notesSz cx="6858000" cy="9144000"/>
@@ -247,7 +247,7 @@
           <a:p>
             <a:fld id="{867CF7D2-9367-45E5-B2E7-A967028F5BE8}" type="datetimeFigureOut">
               <a:rPr lang="zh-CN" altLang="en-US" smtClean="0"/>
-              <a:t>2025/5/6</a:t>
+              <a:t>2025/5/30</a:t>
             </a:fld>
             <a:endParaRPr lang="zh-CN" altLang="en-US"/>
           </a:p>
@@ -417,7 +417,7 @@
           <a:p>
             <a:fld id="{867CF7D2-9367-45E5-B2E7-A967028F5BE8}" type="datetimeFigureOut">
               <a:rPr lang="zh-CN" altLang="en-US" smtClean="0"/>
-              <a:t>2025/5/6</a:t>
+              <a:t>2025/5/30</a:t>
             </a:fld>
             <a:endParaRPr lang="zh-CN" altLang="en-US"/>
           </a:p>
@@ -597,7 +597,7 @@
           <a:p>
             <a:fld id="{867CF7D2-9367-45E5-B2E7-A967028F5BE8}" type="datetimeFigureOut">
               <a:rPr lang="zh-CN" altLang="en-US" smtClean="0"/>
-              <a:t>2025/5/6</a:t>
+              <a:t>2025/5/30</a:t>
             </a:fld>
             <a:endParaRPr lang="zh-CN" altLang="en-US"/>
           </a:p>
@@ -767,7 +767,7 @@
           <a:p>
             <a:fld id="{867CF7D2-9367-45E5-B2E7-A967028F5BE8}" type="datetimeFigureOut">
               <a:rPr lang="zh-CN" altLang="en-US" smtClean="0"/>
-              <a:t>2025/5/6</a:t>
+              <a:t>2025/5/30</a:t>
             </a:fld>
             <a:endParaRPr lang="zh-CN" altLang="en-US"/>
           </a:p>
@@ -1013,7 +1013,7 @@
           <a:p>
             <a:fld id="{867CF7D2-9367-45E5-B2E7-A967028F5BE8}" type="datetimeFigureOut">
               <a:rPr lang="zh-CN" altLang="en-US" smtClean="0"/>
-              <a:t>2025/5/6</a:t>
+              <a:t>2025/5/30</a:t>
             </a:fld>
             <a:endParaRPr lang="zh-CN" altLang="en-US"/>
           </a:p>
@@ -1245,7 +1245,7 @@
           <a:p>
             <a:fld id="{867CF7D2-9367-45E5-B2E7-A967028F5BE8}" type="datetimeFigureOut">
               <a:rPr lang="zh-CN" altLang="en-US" smtClean="0"/>
-              <a:t>2025/5/6</a:t>
+              <a:t>2025/5/30</a:t>
             </a:fld>
             <a:endParaRPr lang="zh-CN" altLang="en-US"/>
           </a:p>
@@ -1612,7 +1612,7 @@
           <a:p>
             <a:fld id="{867CF7D2-9367-45E5-B2E7-A967028F5BE8}" type="datetimeFigureOut">
               <a:rPr lang="zh-CN" altLang="en-US" smtClean="0"/>
-              <a:t>2025/5/6</a:t>
+              <a:t>2025/5/30</a:t>
             </a:fld>
             <a:endParaRPr lang="zh-CN" altLang="en-US"/>
           </a:p>
@@ -1730,7 +1730,7 @@
           <a:p>
             <a:fld id="{867CF7D2-9367-45E5-B2E7-A967028F5BE8}" type="datetimeFigureOut">
               <a:rPr lang="zh-CN" altLang="en-US" smtClean="0"/>
-              <a:t>2025/5/6</a:t>
+              <a:t>2025/5/30</a:t>
             </a:fld>
             <a:endParaRPr lang="zh-CN" altLang="en-US"/>
           </a:p>
@@ -1825,7 +1825,7 @@
           <a:p>
             <a:fld id="{867CF7D2-9367-45E5-B2E7-A967028F5BE8}" type="datetimeFigureOut">
               <a:rPr lang="zh-CN" altLang="en-US" smtClean="0"/>
-              <a:t>2025/5/6</a:t>
+              <a:t>2025/5/30</a:t>
             </a:fld>
             <a:endParaRPr lang="zh-CN" altLang="en-US"/>
           </a:p>
@@ -2102,7 +2102,7 @@
           <a:p>
             <a:fld id="{867CF7D2-9367-45E5-B2E7-A967028F5BE8}" type="datetimeFigureOut">
               <a:rPr lang="zh-CN" altLang="en-US" smtClean="0"/>
-              <a:t>2025/5/6</a:t>
+              <a:t>2025/5/30</a:t>
             </a:fld>
             <a:endParaRPr lang="zh-CN" altLang="en-US"/>
           </a:p>
@@ -2355,7 +2355,7 @@
           <a:p>
             <a:fld id="{867CF7D2-9367-45E5-B2E7-A967028F5BE8}" type="datetimeFigureOut">
               <a:rPr lang="zh-CN" altLang="en-US" smtClean="0"/>
-              <a:t>2025/5/6</a:t>
+              <a:t>2025/5/30</a:t>
             </a:fld>
             <a:endParaRPr lang="zh-CN" altLang="en-US"/>
           </a:p>
@@ -2568,7 +2568,7 @@
           <a:p>
             <a:fld id="{867CF7D2-9367-45E5-B2E7-A967028F5BE8}" type="datetimeFigureOut">
               <a:rPr lang="zh-CN" altLang="en-US" smtClean="0"/>
-              <a:t>2025/5/6</a:t>
+              <a:t>2025/5/30</a:t>
             </a:fld>
             <a:endParaRPr lang="zh-CN" altLang="en-US"/>
           </a:p>
@@ -3273,7 +3273,7 @@
       </p:grpSpPr>
       <p:pic>
         <p:nvPicPr>
-          <p:cNvPr id="2" name="图片 1"/>
+          <p:cNvPr id="47" name="图片 46"/>
           <p:cNvPicPr>
             <a:picLocks noChangeAspect="1"/>
           </p:cNvPicPr>
@@ -3293,7 +3293,7 @@
         </p:blipFill>
         <p:spPr>
           <a:xfrm>
-            <a:off x="0" y="132411"/>
+            <a:off x="-1" y="132409"/>
             <a:ext cx="6039693" cy="3791479"/>
           </a:xfrm>
           <a:prstGeom prst="rect">
@@ -3304,7 +3304,7 @@
     </p:spTree>
     <p:extLst>
       <p:ext uri="{BB962C8B-B14F-4D97-AF65-F5344CB8AC3E}">
-        <p14:creationId xmlns:p14="http://schemas.microsoft.com/office/powerpoint/2010/main" val="3410254582"/>
+        <p14:creationId xmlns:p14="http://schemas.microsoft.com/office/powerpoint/2010/main" val="950052215"/>
       </p:ext>
     </p:extLst>
   </p:cSld>
